--- a/Lectures/Week 7/7. Complexity of Algorithms.pptx
+++ b/Lectures/Week 7/7. Complexity of Algorithms.pptx
@@ -273,7 +273,7 @@
           </a:lstStyle>
           <a:p>
             <a:fld id="{B8B22CDC-BAEE-F344-902E-CAAEDCE630BB}" type="datetimeFigureOut">
-              <a:t>10/27/20</a:t>
+              <a:t>02.11.20</a:t>
             </a:fld>
             <a:endParaRPr lang="en-US"/>
           </a:p>
@@ -1686,7 +1686,7 @@
           <a:lstStyle/>
           <a:p>
             <a:fld id="{2FE340E8-210C-9F47-8C04-1656B25B1283}" type="datetimeFigureOut">
-              <a:t>10/27/20</a:t>
+              <a:t>02.11.20</a:t>
             </a:fld>
             <a:endParaRPr lang="en-US"/>
           </a:p>
@@ -1882,7 +1882,7 @@
           <a:lstStyle/>
           <a:p>
             <a:fld id="{2FE340E8-210C-9F47-8C04-1656B25B1283}" type="datetimeFigureOut">
-              <a:t>10/27/20</a:t>
+              <a:t>02.11.20</a:t>
             </a:fld>
             <a:endParaRPr lang="en-US"/>
           </a:p>
@@ -2088,7 +2088,7 @@
           <a:lstStyle/>
           <a:p>
             <a:fld id="{2FE340E8-210C-9F47-8C04-1656B25B1283}" type="datetimeFigureOut">
-              <a:t>10/27/20</a:t>
+              <a:t>02.11.20</a:t>
             </a:fld>
             <a:endParaRPr lang="en-US"/>
           </a:p>
@@ -2284,7 +2284,7 @@
           <a:lstStyle/>
           <a:p>
             <a:fld id="{2FE340E8-210C-9F47-8C04-1656B25B1283}" type="datetimeFigureOut">
-              <a:t>10/27/20</a:t>
+              <a:t>02.11.20</a:t>
             </a:fld>
             <a:endParaRPr lang="en-US"/>
           </a:p>
@@ -2557,7 +2557,7 @@
           <a:lstStyle/>
           <a:p>
             <a:fld id="{2FE340E8-210C-9F47-8C04-1656B25B1283}" type="datetimeFigureOut">
-              <a:t>10/27/20</a:t>
+              <a:t>02.11.20</a:t>
             </a:fld>
             <a:endParaRPr lang="en-US"/>
           </a:p>
@@ -2820,7 +2820,7 @@
           <a:lstStyle/>
           <a:p>
             <a:fld id="{2FE340E8-210C-9F47-8C04-1656B25B1283}" type="datetimeFigureOut">
-              <a:t>10/27/20</a:t>
+              <a:t>02.11.20</a:t>
             </a:fld>
             <a:endParaRPr lang="en-US"/>
           </a:p>
@@ -3230,7 +3230,7 @@
           <a:lstStyle/>
           <a:p>
             <a:fld id="{2FE340E8-210C-9F47-8C04-1656B25B1283}" type="datetimeFigureOut">
-              <a:t>10/27/20</a:t>
+              <a:t>02.11.20</a:t>
             </a:fld>
             <a:endParaRPr lang="en-US"/>
           </a:p>
@@ -3369,7 +3369,7 @@
           <a:lstStyle/>
           <a:p>
             <a:fld id="{2FE340E8-210C-9F47-8C04-1656B25B1283}" type="datetimeFigureOut">
-              <a:t>10/27/20</a:t>
+              <a:t>02.11.20</a:t>
             </a:fld>
             <a:endParaRPr lang="en-US"/>
           </a:p>
@@ -3480,7 +3480,7 @@
           <a:lstStyle/>
           <a:p>
             <a:fld id="{2FE340E8-210C-9F47-8C04-1656B25B1283}" type="datetimeFigureOut">
-              <a:t>10/27/20</a:t>
+              <a:t>02.11.20</a:t>
             </a:fld>
             <a:endParaRPr lang="en-US"/>
           </a:p>
@@ -3789,7 +3789,7 @@
           <a:lstStyle/>
           <a:p>
             <a:fld id="{2FE340E8-210C-9F47-8C04-1656B25B1283}" type="datetimeFigureOut">
-              <a:t>10/27/20</a:t>
+              <a:t>02.11.20</a:t>
             </a:fld>
             <a:endParaRPr lang="en-US"/>
           </a:p>
@@ -4075,7 +4075,7 @@
           <a:lstStyle/>
           <a:p>
             <a:fld id="{2FE340E8-210C-9F47-8C04-1656B25B1283}" type="datetimeFigureOut">
-              <a:t>10/27/20</a:t>
+              <a:t>02.11.20</a:t>
             </a:fld>
             <a:endParaRPr lang="en-US"/>
           </a:p>
@@ -4314,7 +4314,7 @@
           </a:lstStyle>
           <a:p>
             <a:fld id="{2FE340E8-210C-9F47-8C04-1656B25B1283}" type="datetimeFigureOut">
-              <a:t>10/27/20</a:t>
+              <a:t>02.11.20</a:t>
             </a:fld>
             <a:endParaRPr lang="en-US"/>
           </a:p>
@@ -18380,10 +18380,10 @@
                 <a14:m>
                   <m:oMath xmlns:m="http://schemas.openxmlformats.org/officeDocument/2006/math">
                     <m:r>
-                      <a:rPr lang="fr-CH" b="0" i="1" dirty="0">
+                      <a:rPr lang="en-US" b="0" i="1" dirty="0" smtClean="0">
                         <a:latin typeface="Cambria Math" panose="02040503050406030204" pitchFamily="18" charset="0"/>
                       </a:rPr>
-                      <m:t>𝑓</m:t>
+                      <m:t>𝑔</m:t>
                     </m:r>
                     <m:d>
                       <m:dPr>
@@ -18428,11 +18428,11 @@
                       </m:dPr>
                       <m:e>
                         <m:r>
-                          <a:rPr lang="fr-CH" b="0" i="1" dirty="0">
+                          <a:rPr lang="en-US" b="0" i="1" dirty="0" smtClean="0">
                             <a:latin typeface="Cambria Math" panose="02040503050406030204" pitchFamily="18" charset="0"/>
                             <a:ea typeface="Cambria Math" panose="02040503050406030204" pitchFamily="18" charset="0"/>
                           </a:rPr>
-                          <m:t>𝑔</m:t>
+                          <m:t>𝑓</m:t>
                         </m:r>
                         <m:d>
                           <m:dPr>
@@ -18751,7 +18751,7 @@
               <a:blipFill>
                 <a:blip r:embed="rId2"/>
                 <a:stretch>
-                  <a:fillRect l="-1086" t="-2632"/>
+                  <a:fillRect l="-1206" t="-2326"/>
                 </a:stretch>
               </a:blipFill>
             </p:spPr>
@@ -18760,7 +18760,7 @@
               <a:lstStyle/>
               <a:p>
                 <a:r>
-                  <a:rPr lang="en-US">
+                  <a:rPr lang="en-CH">
                     <a:noFill/>
                   </a:rPr>
                   <a:t> </a:t>
@@ -35340,7 +35340,7 @@
           <a:graphicData uri="http://schemas.openxmlformats.org/presentationml/2006/ole">
             <mc:AlternateContent xmlns:mc="http://schemas.openxmlformats.org/markup-compatibility/2006">
               <mc:Choice xmlns:v="urn:schemas-microsoft-com:vml" Requires="v">
-                <p:oleObj spid="_x0000_s3116" name="Equation" r:id="rId3" imgW="939600" imgH="419040" progId="Equation.3">
+                <p:oleObj spid="_x0000_s3122" name="Equation" r:id="rId3" imgW="939600" imgH="419040" progId="Equation.3">
                   <p:embed/>
                 </p:oleObj>
               </mc:Choice>

--- a/Lectures/Week 7/7. Complexity of Algorithms.pptx
+++ b/Lectures/Week 7/7. Complexity of Algorithms.pptx
@@ -273,7 +273,7 @@
           </a:lstStyle>
           <a:p>
             <a:fld id="{B8B22CDC-BAEE-F344-902E-CAAEDCE630BB}" type="datetimeFigureOut">
-              <a:t>02.11.20</a:t>
+              <a:t>11/9/20</a:t>
             </a:fld>
             <a:endParaRPr lang="en-US"/>
           </a:p>
@@ -1686,7 +1686,7 @@
           <a:lstStyle/>
           <a:p>
             <a:fld id="{2FE340E8-210C-9F47-8C04-1656B25B1283}" type="datetimeFigureOut">
-              <a:t>02.11.20</a:t>
+              <a:t>11/9/20</a:t>
             </a:fld>
             <a:endParaRPr lang="en-US"/>
           </a:p>
@@ -1882,7 +1882,7 @@
           <a:lstStyle/>
           <a:p>
             <a:fld id="{2FE340E8-210C-9F47-8C04-1656B25B1283}" type="datetimeFigureOut">
-              <a:t>02.11.20</a:t>
+              <a:t>11/9/20</a:t>
             </a:fld>
             <a:endParaRPr lang="en-US"/>
           </a:p>
@@ -2088,7 +2088,7 @@
           <a:lstStyle/>
           <a:p>
             <a:fld id="{2FE340E8-210C-9F47-8C04-1656B25B1283}" type="datetimeFigureOut">
-              <a:t>02.11.20</a:t>
+              <a:t>11/9/20</a:t>
             </a:fld>
             <a:endParaRPr lang="en-US"/>
           </a:p>
@@ -2284,7 +2284,7 @@
           <a:lstStyle/>
           <a:p>
             <a:fld id="{2FE340E8-210C-9F47-8C04-1656B25B1283}" type="datetimeFigureOut">
-              <a:t>02.11.20</a:t>
+              <a:t>11/9/20</a:t>
             </a:fld>
             <a:endParaRPr lang="en-US"/>
           </a:p>
@@ -2557,7 +2557,7 @@
           <a:lstStyle/>
           <a:p>
             <a:fld id="{2FE340E8-210C-9F47-8C04-1656B25B1283}" type="datetimeFigureOut">
-              <a:t>02.11.20</a:t>
+              <a:t>11/9/20</a:t>
             </a:fld>
             <a:endParaRPr lang="en-US"/>
           </a:p>
@@ -2820,7 +2820,7 @@
           <a:lstStyle/>
           <a:p>
             <a:fld id="{2FE340E8-210C-9F47-8C04-1656B25B1283}" type="datetimeFigureOut">
-              <a:t>02.11.20</a:t>
+              <a:t>11/9/20</a:t>
             </a:fld>
             <a:endParaRPr lang="en-US"/>
           </a:p>
@@ -3230,7 +3230,7 @@
           <a:lstStyle/>
           <a:p>
             <a:fld id="{2FE340E8-210C-9F47-8C04-1656B25B1283}" type="datetimeFigureOut">
-              <a:t>02.11.20</a:t>
+              <a:t>11/9/20</a:t>
             </a:fld>
             <a:endParaRPr lang="en-US"/>
           </a:p>
@@ -3369,7 +3369,7 @@
           <a:lstStyle/>
           <a:p>
             <a:fld id="{2FE340E8-210C-9F47-8C04-1656B25B1283}" type="datetimeFigureOut">
-              <a:t>02.11.20</a:t>
+              <a:t>11/9/20</a:t>
             </a:fld>
             <a:endParaRPr lang="en-US"/>
           </a:p>
@@ -3480,7 +3480,7 @@
           <a:lstStyle/>
           <a:p>
             <a:fld id="{2FE340E8-210C-9F47-8C04-1656B25B1283}" type="datetimeFigureOut">
-              <a:t>02.11.20</a:t>
+              <a:t>11/9/20</a:t>
             </a:fld>
             <a:endParaRPr lang="en-US"/>
           </a:p>
@@ -3789,7 +3789,7 @@
           <a:lstStyle/>
           <a:p>
             <a:fld id="{2FE340E8-210C-9F47-8C04-1656B25B1283}" type="datetimeFigureOut">
-              <a:t>02.11.20</a:t>
+              <a:t>11/9/20</a:t>
             </a:fld>
             <a:endParaRPr lang="en-US"/>
           </a:p>
@@ -4075,7 +4075,7 @@
           <a:lstStyle/>
           <a:p>
             <a:fld id="{2FE340E8-210C-9F47-8C04-1656B25B1283}" type="datetimeFigureOut">
-              <a:t>02.11.20</a:t>
+              <a:t>11/9/20</a:t>
             </a:fld>
             <a:endParaRPr lang="en-US"/>
           </a:p>
@@ -4314,7 +4314,7 @@
           </a:lstStyle>
           <a:p>
             <a:fld id="{2FE340E8-210C-9F47-8C04-1656B25B1283}" type="datetimeFigureOut">
-              <a:t>02.11.20</a:t>
+              <a:t>11/9/20</a:t>
             </a:fld>
             <a:endParaRPr lang="en-US"/>
           </a:p>
@@ -5041,7 +5041,7 @@
                 </a:r>
                 <a:r>
                   <a:rPr lang="en-US" sz="2400" dirty="0"/>
-                  <a:t> be functions from the set of integers or the set of real numbers to the set of real numbers. We say that </a:t>
+                  <a:t> be functions from the set of integers or the set of positive real numbers to the set of real numbers. We say that </a:t>
                 </a:r>
                 <a:r>
                   <a:rPr lang="en-US" sz="2400" b="1" i="1" dirty="0"/>
@@ -5089,7 +5089,7 @@
                 </a:r>
                 <a:r>
                   <a:rPr lang="en-US" sz="2400" i="1" dirty="0"/>
-                  <a:t>C</a:t>
+                  <a:t>C &gt; 0</a:t>
                 </a:r>
                 <a:r>
                   <a:rPr lang="en-US" sz="2400" dirty="0"/>
@@ -5097,7 +5097,7 @@
                 </a:r>
                 <a:r>
                   <a:rPr lang="en-US" sz="2400" i="1" dirty="0"/>
-                  <a:t>k</a:t>
+                  <a:t>k ≥ 0</a:t>
                 </a:r>
                 <a:r>
                   <a:rPr lang="en-US" sz="2400" dirty="0"/>
@@ -16046,7 +16046,7 @@
                 </a:r>
                 <a:r>
                   <a:rPr lang="en-US" dirty="0"/>
-                  <a:t> be functions from the set of integers or the set of real numbers to the set of real numbers. We say that </a:t>
+                  <a:t> be functions from the set of integers or the set of positive real numbers to the set of real numbers. We say that </a:t>
                 </a:r>
                 <a14:m>
                   <m:oMath xmlns:m="http://schemas.openxmlformats.org/officeDocument/2006/math">
@@ -16134,7 +16134,7 @@
                 </a:r>
                 <a:r>
                   <a:rPr lang="en-US" i="1" dirty="0"/>
-                  <a:t>C</a:t>
+                  <a:t>C &gt; 0</a:t>
                 </a:r>
                 <a:r>
                   <a:rPr lang="en-US" dirty="0"/>
@@ -16142,7 +16142,7 @@
                 </a:r>
                 <a:r>
                   <a:rPr lang="en-US" i="1" dirty="0"/>
-                  <a:t>k</a:t>
+                  <a:t>k ≥ 0</a:t>
                 </a:r>
                 <a:r>
                   <a:rPr lang="en-US" dirty="0"/>
@@ -16949,8 +16949,8 @@
           </a:p>
         </p:txBody>
       </p:sp>
-      <mc:AlternateContent xmlns:mc="http://schemas.openxmlformats.org/markup-compatibility/2006" xmlns:a14="http://schemas.microsoft.com/office/drawing/2010/main">
-        <mc:Choice Requires="a14">
+      <mc:AlternateContent xmlns:mc="http://schemas.openxmlformats.org/markup-compatibility/2006">
+        <mc:Choice xmlns:a14="http://schemas.microsoft.com/office/drawing/2010/main" Requires="a14">
           <p:sp>
             <p:nvSpPr>
               <p:cNvPr id="3" name="Content Placeholder 2"/>
@@ -17459,7 +17459,7 @@
                 </a14:m>
                 <a:r>
                   <a:rPr lang="en-US" dirty="0"/>
-                  <a:t>if and only if there exists constants </a:t>
+                  <a:t>if and only if there exists positive constants </a:t>
                 </a:r>
                 <a:r>
                   <a:rPr lang="en-US" i="1" dirty="0"/>
@@ -17516,7 +17516,14 @@
                     <a:latin typeface="Cambria Math" pitchFamily="18" charset="0"/>
                     <a:ea typeface="Cambria Math" pitchFamily="18" charset="0"/>
                   </a:rPr>
-                  <a:t>1</a:t>
+                  <a:t>1 </a:t>
+                </a:r>
+                <a:r>
+                  <a:rPr lang="en-US" dirty="0">
+                    <a:latin typeface="Cambria Math" pitchFamily="18" charset="0"/>
+                    <a:ea typeface="Cambria Math" pitchFamily="18" charset="0"/>
+                  </a:rPr>
+                  <a:t>|</a:t>
                 </a:r>
                 <a:r>
                   <a:rPr lang="en-US" i="1" dirty="0"/>
@@ -17532,7 +17539,7 @@
                 </a:r>
                 <a:r>
                   <a:rPr lang="en-US" dirty="0"/>
-                  <a:t>)</a:t>
+                  <a:t>)|</a:t>
                 </a:r>
                 <a:r>
                   <a:rPr lang="en-US" baseline="-25000" dirty="0"/>
@@ -17540,7 +17547,7 @@
                 </a:r>
                 <a:r>
                   <a:rPr lang="en-US" dirty="0"/>
-                  <a:t>&lt;</a:t>
+                  <a:t>≤</a:t>
                 </a:r>
                 <a:r>
                   <a:rPr lang="en-US" baseline="-25000" dirty="0"/>
@@ -17554,6 +17561,13 @@
                   <a:t> </a:t>
                 </a:r>
                 <a:r>
+                  <a:rPr lang="en-US" dirty="0">
+                    <a:latin typeface="Cambria Math" pitchFamily="18" charset="0"/>
+                    <a:ea typeface="Cambria Math" pitchFamily="18" charset="0"/>
+                  </a:rPr>
+                  <a:t>|</a:t>
+                </a:r>
+                <a:r>
                   <a:rPr lang="en-US" i="1" dirty="0"/>
                   <a:t>f</a:t>
                 </a:r>
@@ -17567,7 +17581,7 @@
                 </a:r>
                 <a:r>
                   <a:rPr lang="en-US" dirty="0"/>
-                  <a:t>) &lt;</a:t>
+                  <a:t>)| ≤</a:t>
                 </a:r>
                 <a:r>
                   <a:rPr lang="en-US" baseline="-25000" dirty="0"/>
@@ -17585,6 +17599,13 @@
                   <a:t>2 </a:t>
                 </a:r>
                 <a:r>
+                  <a:rPr lang="en-US" dirty="0">
+                    <a:latin typeface="Cambria Math" pitchFamily="18" charset="0"/>
+                    <a:ea typeface="Cambria Math" pitchFamily="18" charset="0"/>
+                  </a:rPr>
+                  <a:t>|</a:t>
+                </a:r>
+                <a:r>
                   <a:rPr lang="en-US" i="1" dirty="0"/>
                   <a:t>g</a:t>
                 </a:r>
@@ -17598,7 +17619,7 @@
                 </a:r>
                 <a:r>
                   <a:rPr lang="en-US" dirty="0"/>
-                  <a:t>)  if </a:t>
+                  <a:t>)|  if </a:t>
                 </a:r>
                 <a:r>
                   <a:rPr lang="en-US" i="1" dirty="0"/>
@@ -17624,7 +17645,7 @@
             </p:txBody>
           </p:sp>
         </mc:Choice>
-        <mc:Fallback xmlns="">
+        <mc:Fallback>
           <p:sp>
             <p:nvSpPr>
               <p:cNvPr id="3" name="Content Placeholder 2"/>
@@ -18380,8 +18401,9 @@
                 <a14:m>
                   <m:oMath xmlns:m="http://schemas.openxmlformats.org/officeDocument/2006/math">
                     <m:r>
-                      <a:rPr lang="en-US" b="0" i="1" dirty="0" smtClean="0">
+                      <a:rPr lang="fr-CH" i="1" dirty="0">
                         <a:latin typeface="Cambria Math" panose="02040503050406030204" pitchFamily="18" charset="0"/>
+                        <a:ea typeface="Cambria Math" panose="02040503050406030204" pitchFamily="18" charset="0"/>
                       </a:rPr>
                       <m:t>𝑔</m:t>
                     </m:r>
@@ -18390,13 +18412,15 @@
                         <m:ctrlPr>
                           <a:rPr lang="fr-CH" i="1" dirty="0">
                             <a:latin typeface="Cambria Math" panose="02040503050406030204" pitchFamily="18" charset="0"/>
+                            <a:ea typeface="Cambria Math" panose="02040503050406030204" pitchFamily="18" charset="0"/>
                           </a:rPr>
                         </m:ctrlPr>
                       </m:dPr>
                       <m:e>
                         <m:r>
-                          <a:rPr lang="fr-CH" b="0" i="1" dirty="0">
+                          <a:rPr lang="fr-CH" i="1" dirty="0">
                             <a:latin typeface="Cambria Math" panose="02040503050406030204" pitchFamily="18" charset="0"/>
+                            <a:ea typeface="Cambria Math" panose="02040503050406030204" pitchFamily="18" charset="0"/>
                           </a:rPr>
                           <m:t>𝑥</m:t>
                         </m:r>
@@ -18428,7 +18452,7 @@
                       </m:dPr>
                       <m:e>
                         <m:r>
-                          <a:rPr lang="en-US" b="0" i="1" dirty="0" smtClean="0">
+                          <a:rPr lang="fr-CH" b="0" i="1" dirty="0">
                             <a:latin typeface="Cambria Math" panose="02040503050406030204" pitchFamily="18" charset="0"/>
                             <a:ea typeface="Cambria Math" panose="02040503050406030204" pitchFamily="18" charset="0"/>
                           </a:rPr>
@@ -18751,7 +18775,7 @@
               <a:blipFill>
                 <a:blip r:embed="rId2"/>
                 <a:stretch>
-                  <a:fillRect l="-1206" t="-2326"/>
+                  <a:fillRect l="-1086" t="-2632"/>
                 </a:stretch>
               </a:blipFill>
             </p:spPr>
@@ -18760,7 +18784,7 @@
               <a:lstStyle/>
               <a:p>
                 <a:r>
-                  <a:rPr lang="en-CH">
+                  <a:rPr lang="en-US">
                     <a:noFill/>
                   </a:rPr>
                   <a:t> </a:t>
@@ -35340,7 +35364,7 @@
           <a:graphicData uri="http://schemas.openxmlformats.org/presentationml/2006/ole">
             <mc:AlternateContent xmlns:mc="http://schemas.openxmlformats.org/markup-compatibility/2006">
               <mc:Choice xmlns:v="urn:schemas-microsoft-com:vml" Requires="v">
-                <p:oleObj spid="_x0000_s3122" name="Equation" r:id="rId3" imgW="939600" imgH="419040" progId="Equation.3">
+                <p:oleObj spid="_x0000_s3119" name="Equation" r:id="rId3" imgW="939600" imgH="419040" progId="Equation.3">
                   <p:embed/>
                 </p:oleObj>
               </mc:Choice>
